--- a/Road Accident Analysis Presentation Slides.pptx
+++ b/Road Accident Analysis Presentation Slides.pptx
@@ -218,7 +218,7 @@
           <a:p>
             <a:fld id="{25AE8838-FC3D-4067-90A4-DCA79FF26747}" type="datetimeFigureOut">
               <a:rPr lang="en-US" smtClean="0"/>
-              <a:t>5/2/2024</a:t>
+              <a:t>5/12/2024</a:t>
             </a:fld>
             <a:endParaRPr lang="en-US"/>
           </a:p>
@@ -1131,7 +1131,7 @@
           <a:p>
             <a:fld id="{B481C0CD-6870-4FA2-A535-3A6D5E3F7758}" type="datetimeFigureOut">
               <a:rPr lang="en-US" smtClean="0"/>
-              <a:t>5/2/2024</a:t>
+              <a:t>5/12/2024</a:t>
             </a:fld>
             <a:endParaRPr lang="en-US"/>
           </a:p>
@@ -1351,7 +1351,7 @@
           <a:p>
             <a:fld id="{B481C0CD-6870-4FA2-A535-3A6D5E3F7758}" type="datetimeFigureOut">
               <a:rPr lang="en-US" smtClean="0"/>
-              <a:t>5/2/2024</a:t>
+              <a:t>5/12/2024</a:t>
             </a:fld>
             <a:endParaRPr lang="en-US"/>
           </a:p>
@@ -1619,7 +1619,7 @@
           <a:p>
             <a:fld id="{B481C0CD-6870-4FA2-A535-3A6D5E3F7758}" type="datetimeFigureOut">
               <a:rPr lang="en-US" smtClean="0"/>
-              <a:t>5/2/2024</a:t>
+              <a:t>5/12/2024</a:t>
             </a:fld>
             <a:endParaRPr lang="en-US"/>
           </a:p>
@@ -1801,7 +1801,7 @@
           <a:p>
             <a:fld id="{B481C0CD-6870-4FA2-A535-3A6D5E3F7758}" type="datetimeFigureOut">
               <a:rPr lang="en-US" smtClean="0"/>
-              <a:t>5/2/2024</a:t>
+              <a:t>5/12/2024</a:t>
             </a:fld>
             <a:endParaRPr lang="en-US"/>
           </a:p>
@@ -2156,7 +2156,7 @@
           <a:p>
             <a:fld id="{B481C0CD-6870-4FA2-A535-3A6D5E3F7758}" type="datetimeFigureOut">
               <a:rPr lang="en-US" smtClean="0"/>
-              <a:t>5/2/2024</a:t>
+              <a:t>5/12/2024</a:t>
             </a:fld>
             <a:endParaRPr lang="en-US"/>
           </a:p>
@@ -2443,7 +2443,7 @@
           <a:p>
             <a:fld id="{B481C0CD-6870-4FA2-A535-3A6D5E3F7758}" type="datetimeFigureOut">
               <a:rPr lang="en-US" smtClean="0"/>
-              <a:t>5/2/2024</a:t>
+              <a:t>5/12/2024</a:t>
             </a:fld>
             <a:endParaRPr lang="en-US"/>
           </a:p>
@@ -2834,7 +2834,7 @@
           <a:p>
             <a:fld id="{B481C0CD-6870-4FA2-A535-3A6D5E3F7758}" type="datetimeFigureOut">
               <a:rPr lang="en-US" smtClean="0"/>
-              <a:t>5/2/2024</a:t>
+              <a:t>5/12/2024</a:t>
             </a:fld>
             <a:endParaRPr lang="en-US"/>
           </a:p>
@@ -2964,7 +2964,7 @@
           <a:p>
             <a:fld id="{B481C0CD-6870-4FA2-A535-3A6D5E3F7758}" type="datetimeFigureOut">
               <a:rPr lang="en-US" smtClean="0"/>
-              <a:t>5/2/2024</a:t>
+              <a:t>5/12/2024</a:t>
             </a:fld>
             <a:endParaRPr lang="en-US"/>
           </a:p>
@@ -3147,7 +3147,7 @@
           <a:p>
             <a:fld id="{B481C0CD-6870-4FA2-A535-3A6D5E3F7758}" type="datetimeFigureOut">
               <a:rPr lang="en-US" smtClean="0"/>
-              <a:t>5/2/2024</a:t>
+              <a:t>5/12/2024</a:t>
             </a:fld>
             <a:endParaRPr lang="en-US"/>
           </a:p>
@@ -3513,7 +3513,7 @@
           <a:p>
             <a:fld id="{B481C0CD-6870-4FA2-A535-3A6D5E3F7758}" type="datetimeFigureOut">
               <a:rPr lang="en-US" smtClean="0"/>
-              <a:t>5/2/2024</a:t>
+              <a:t>5/12/2024</a:t>
             </a:fld>
             <a:endParaRPr lang="en-US"/>
           </a:p>
@@ -3907,7 +3907,7 @@
           <a:p>
             <a:fld id="{B481C0CD-6870-4FA2-A535-3A6D5E3F7758}" type="datetimeFigureOut">
               <a:rPr lang="en-US" smtClean="0"/>
-              <a:t>5/2/2024</a:t>
+              <a:t>5/12/2024</a:t>
             </a:fld>
             <a:endParaRPr lang="en-US"/>
           </a:p>
@@ -4194,7 +4194,7 @@
           <a:p>
             <a:fld id="{B481C0CD-6870-4FA2-A535-3A6D5E3F7758}" type="datetimeFigureOut">
               <a:rPr lang="en-US" smtClean="0"/>
-              <a:t>5/2/2024</a:t>
+              <a:t>5/12/2024</a:t>
             </a:fld>
             <a:endParaRPr lang="en-US"/>
           </a:p>
@@ -5136,7 +5136,9 @@
             <a:r>
               <a:rPr lang="en-US" sz="1600" b="1" cap="none" dirty="0">
                 <a:solidFill>
-                  <a:srgbClr val="FFC000"/>
+                  <a:schemeClr val="bg2">
+                    <a:lumMod val="25000"/>
+                  </a:schemeClr>
                 </a:solidFill>
                 <a:latin typeface="Times New Roman" panose="02020603050405020304" pitchFamily="18" charset="0"/>
                 <a:ea typeface="Tahoma" panose="020B0604030504040204" pitchFamily="34" charset="0"/>
@@ -5160,7 +5162,9 @@
             <a:r>
               <a:rPr lang="en-US" sz="1600" b="1" cap="none" dirty="0">
                 <a:solidFill>
-                  <a:srgbClr val="92D050"/>
+                  <a:schemeClr val="bg2">
+                    <a:lumMod val="50000"/>
+                  </a:schemeClr>
                 </a:solidFill>
                 <a:latin typeface="Times New Roman" panose="02020603050405020304" pitchFamily="18" charset="0"/>
                 <a:ea typeface="Tahoma" panose="020B0604030504040204" pitchFamily="34" charset="0"/>
@@ -5208,7 +5212,9 @@
             <a:r>
               <a:rPr lang="en-US" sz="1600" b="1" cap="none" dirty="0">
                 <a:solidFill>
-                  <a:srgbClr val="C00000"/>
+                  <a:schemeClr val="accent2">
+                    <a:lumMod val="75000"/>
+                  </a:schemeClr>
                 </a:solidFill>
                 <a:latin typeface="Times New Roman" panose="02020603050405020304" pitchFamily="18" charset="0"/>
                 <a:ea typeface="Tahoma" panose="020B0604030504040204" pitchFamily="34" charset="0"/>
@@ -5968,7 +5974,7 @@
                 <a:latin typeface="Times New Roman" panose="02020603050405020304" pitchFamily="18" charset="0"/>
                 <a:cs typeface="Times New Roman" panose="02020603050405020304" pitchFamily="18" charset="0"/>
               </a:rPr>
-              <a:t>The total number of accident cases recorded for the year is 10,604 cases, with total casualties of 36,954</a:t>
+              <a:t>The total number of accident cases recorded for the year is 11,000 cases, with total casualties of 37,000</a:t>
             </a:r>
           </a:p>
           <a:p>
@@ -5990,7 +5996,7 @@
                 <a:latin typeface="Times New Roman" panose="02020603050405020304" pitchFamily="18" charset="0"/>
                 <a:cs typeface="Times New Roman" panose="02020603050405020304" pitchFamily="18" charset="0"/>
               </a:rPr>
-              <a:t>Total vehicles involved for all the road accident cases recorded is 16,276</a:t>
+              <a:t>Total vehicles involved for all the road accident cases recorded is 16,000</a:t>
             </a:r>
           </a:p>
           <a:p>
@@ -6012,7 +6018,7 @@
                 <a:latin typeface="Times New Roman" panose="02020603050405020304" pitchFamily="18" charset="0"/>
                 <a:cs typeface="Times New Roman" panose="02020603050405020304" pitchFamily="18" charset="0"/>
               </a:rPr>
-              <a:t>Total causative factors for these road accident is 14,206</a:t>
+              <a:t>Total causative factors for these road accident is 14,000</a:t>
             </a:r>
           </a:p>
           <a:p>
@@ -6034,7 +6040,7 @@
                 <a:latin typeface="Times New Roman" panose="02020603050405020304" pitchFamily="18" charset="0"/>
                 <a:cs typeface="Times New Roman" panose="02020603050405020304" pitchFamily="18" charset="0"/>
               </a:rPr>
-              <a:t>70,091 people were involved in road accident for the year, with a total of 31,873 people injured and 5,081 people killed.</a:t>
+              <a:t>70,000 people were involved in road accident for the year, with a total of 32,000 people injured and 5,081 people killed.</a:t>
             </a:r>
           </a:p>
           <a:p>
@@ -6201,66 +6207,6 @@
           </a:p>
         </p:txBody>
       </p:sp>
-      <p:pic>
-        <p:nvPicPr>
-          <p:cNvPr id="12" name="Picture 11">
-            <a:extLst>
-              <a:ext uri="{FF2B5EF4-FFF2-40B4-BE49-F238E27FC236}">
-                <a16:creationId xmlns:a16="http://schemas.microsoft.com/office/drawing/2014/main" id="{6165F094-E1ED-16C2-66CC-C5F80E7F068A}"/>
-              </a:ext>
-            </a:extLst>
-          </p:cNvPr>
-          <p:cNvPicPr>
-            <a:picLocks noChangeAspect="1"/>
-          </p:cNvPicPr>
-          <p:nvPr/>
-        </p:nvPicPr>
-        <p:blipFill>
-          <a:blip r:embed="rId3"/>
-          <a:stretch>
-            <a:fillRect/>
-          </a:stretch>
-        </p:blipFill>
-        <p:spPr>
-          <a:xfrm>
-            <a:off x="523875" y="2318660"/>
-            <a:ext cx="8058150" cy="997901"/>
-          </a:xfrm>
-          <a:prstGeom prst="rect">
-            <a:avLst/>
-          </a:prstGeom>
-        </p:spPr>
-      </p:pic>
-      <p:pic>
-        <p:nvPicPr>
-          <p:cNvPr id="17" name="Picture 16">
-            <a:extLst>
-              <a:ext uri="{FF2B5EF4-FFF2-40B4-BE49-F238E27FC236}">
-                <a16:creationId xmlns:a16="http://schemas.microsoft.com/office/drawing/2014/main" id="{CE00FEFF-E51D-8D85-AD65-8156648D90B0}"/>
-              </a:ext>
-            </a:extLst>
-          </p:cNvPr>
-          <p:cNvPicPr>
-            <a:picLocks noChangeAspect="1"/>
-          </p:cNvPicPr>
-          <p:nvPr/>
-        </p:nvPicPr>
-        <p:blipFill>
-          <a:blip r:embed="rId4"/>
-          <a:stretch>
-            <a:fillRect/>
-          </a:stretch>
-        </p:blipFill>
-        <p:spPr>
-          <a:xfrm>
-            <a:off x="603684" y="4656927"/>
-            <a:ext cx="8058149" cy="1007425"/>
-          </a:xfrm>
-          <a:prstGeom prst="rect">
-            <a:avLst/>
-          </a:prstGeom>
-        </p:spPr>
-      </p:pic>
       <p:sp>
         <p:nvSpPr>
           <p:cNvPr id="28" name="Content Placeholder 1">
@@ -6376,6 +6322,66 @@
           </a:p>
         </p:txBody>
       </p:sp>
+      <p:pic>
+        <p:nvPicPr>
+          <p:cNvPr id="4" name="Picture 3">
+            <a:extLst>
+              <a:ext uri="{FF2B5EF4-FFF2-40B4-BE49-F238E27FC236}">
+                <a16:creationId xmlns:a16="http://schemas.microsoft.com/office/drawing/2014/main" id="{F3CAF2E0-C9F1-2286-19B3-A1AED921B85E}"/>
+              </a:ext>
+            </a:extLst>
+          </p:cNvPr>
+          <p:cNvPicPr>
+            <a:picLocks noChangeAspect="1"/>
+          </p:cNvPicPr>
+          <p:nvPr/>
+        </p:nvPicPr>
+        <p:blipFill>
+          <a:blip r:embed="rId3"/>
+          <a:stretch>
+            <a:fillRect/>
+          </a:stretch>
+        </p:blipFill>
+        <p:spPr>
+          <a:xfrm>
+            <a:off x="523876" y="2356365"/>
+            <a:ext cx="7846494" cy="1225035"/>
+          </a:xfrm>
+          <a:prstGeom prst="rect">
+            <a:avLst/>
+          </a:prstGeom>
+        </p:spPr>
+      </p:pic>
+      <p:pic>
+        <p:nvPicPr>
+          <p:cNvPr id="6" name="Picture 5">
+            <a:extLst>
+              <a:ext uri="{FF2B5EF4-FFF2-40B4-BE49-F238E27FC236}">
+                <a16:creationId xmlns:a16="http://schemas.microsoft.com/office/drawing/2014/main" id="{B2C00DD0-AC3C-DE2B-EE3E-08C61062020D}"/>
+              </a:ext>
+            </a:extLst>
+          </p:cNvPr>
+          <p:cNvPicPr>
+            <a:picLocks noChangeAspect="1"/>
+          </p:cNvPicPr>
+          <p:nvPr/>
+        </p:nvPicPr>
+        <p:blipFill>
+          <a:blip r:embed="rId4"/>
+          <a:stretch>
+            <a:fillRect/>
+          </a:stretch>
+        </p:blipFill>
+        <p:spPr>
+          <a:xfrm>
+            <a:off x="523875" y="4877875"/>
+            <a:ext cx="7846494" cy="1123361"/>
+          </a:xfrm>
+          <a:prstGeom prst="rect">
+            <a:avLst/>
+          </a:prstGeom>
+        </p:spPr>
+      </p:pic>
     </p:spTree>
     <p:extLst>
       <p:ext uri="{BB962C8B-B14F-4D97-AF65-F5344CB8AC3E}">
@@ -6952,10 +6958,10 @@
       </p:sp>
       <p:pic>
         <p:nvPicPr>
-          <p:cNvPr id="7" name="Picture 6">
+          <p:cNvPr id="4" name="Picture 3">
             <a:extLst>
               <a:ext uri="{FF2B5EF4-FFF2-40B4-BE49-F238E27FC236}">
-                <a16:creationId xmlns:a16="http://schemas.microsoft.com/office/drawing/2014/main" id="{3A33D410-4748-68A7-E979-053AADF69001}"/>
+                <a16:creationId xmlns:a16="http://schemas.microsoft.com/office/drawing/2014/main" id="{DF9953E9-59CA-B5EC-275A-9072F08FB6B1}"/>
               </a:ext>
             </a:extLst>
           </p:cNvPr>
@@ -6973,7 +6979,7 @@
         <p:spPr>
           <a:xfrm>
             <a:off x="342900" y="2514599"/>
-            <a:ext cx="8458200" cy="3800028"/>
+            <a:ext cx="8458200" cy="3689975"/>
           </a:xfrm>
           <a:prstGeom prst="rect">
             <a:avLst/>
@@ -6990,13 +6996,13 @@
   <p:clrMapOvr>
     <a:masterClrMapping/>
   </p:clrMapOvr>
-  <mc:AlternateContent xmlns:mc="http://schemas.openxmlformats.org/markup-compatibility/2006">
-    <mc:Choice xmlns:p14="http://schemas.microsoft.com/office/powerpoint/2010/main" Requires="p14">
+  <mc:AlternateContent xmlns:mc="http://schemas.openxmlformats.org/markup-compatibility/2006" xmlns:p14="http://schemas.microsoft.com/office/powerpoint/2010/main">
+    <mc:Choice Requires="p14">
       <p:transition spd="slow" p14:dur="1500">
         <p:split orient="vert" dir="in"/>
       </p:transition>
     </mc:Choice>
-    <mc:Fallback>
+    <mc:Fallback xmlns="">
       <p:transition spd="slow">
         <p:split orient="vert" dir="in"/>
       </p:transition>
@@ -7575,10 +7581,10 @@
       </p:sp>
       <p:pic>
         <p:nvPicPr>
-          <p:cNvPr id="9" name="Picture 8">
+          <p:cNvPr id="4" name="Picture 3">
             <a:extLst>
               <a:ext uri="{FF2B5EF4-FFF2-40B4-BE49-F238E27FC236}">
-                <a16:creationId xmlns:a16="http://schemas.microsoft.com/office/drawing/2014/main" id="{F0E1F547-E3F2-F2E2-08D5-BB8C765220A6}"/>
+                <a16:creationId xmlns:a16="http://schemas.microsoft.com/office/drawing/2014/main" id="{061A8B4C-3B6C-AE23-CBF4-2147D621C7E5}"/>
               </a:ext>
             </a:extLst>
           </p:cNvPr>
@@ -7595,8 +7601,8 @@
         </p:blipFill>
         <p:spPr>
           <a:xfrm>
-            <a:off x="342900" y="2438401"/>
-            <a:ext cx="8458200" cy="3961905"/>
+            <a:off x="342900" y="2575989"/>
+            <a:ext cx="8458200" cy="3626332"/>
           </a:xfrm>
           <a:prstGeom prst="rect">
             <a:avLst/>
@@ -7613,13 +7619,13 @@
   <p:clrMapOvr>
     <a:masterClrMapping/>
   </p:clrMapOvr>
-  <mc:AlternateContent xmlns:mc="http://schemas.openxmlformats.org/markup-compatibility/2006">
-    <mc:Choice xmlns:p14="http://schemas.microsoft.com/office/powerpoint/2010/main" Requires="p14">
+  <mc:AlternateContent xmlns:mc="http://schemas.openxmlformats.org/markup-compatibility/2006" xmlns:p14="http://schemas.microsoft.com/office/powerpoint/2010/main">
+    <mc:Choice Requires="p14">
       <p:transition spd="slow" p14:dur="1500">
         <p:split orient="vert" dir="in"/>
       </p:transition>
     </mc:Choice>
-    <mc:Fallback>
+    <mc:Fallback xmlns="">
       <p:transition spd="slow">
         <p:split orient="vert" dir="in"/>
       </p:transition>
@@ -8157,10 +8163,10 @@
       </p:sp>
       <p:pic>
         <p:nvPicPr>
-          <p:cNvPr id="13" name="Picture 12">
+          <p:cNvPr id="4" name="Picture 3">
             <a:extLst>
               <a:ext uri="{FF2B5EF4-FFF2-40B4-BE49-F238E27FC236}">
-                <a16:creationId xmlns:a16="http://schemas.microsoft.com/office/drawing/2014/main" id="{005CD20F-494E-CB41-84C3-8F968BD25574}"/>
+                <a16:creationId xmlns:a16="http://schemas.microsoft.com/office/drawing/2014/main" id="{8DAA5096-0646-6D9D-D6E5-D7C1A4814241}"/>
               </a:ext>
             </a:extLst>
           </p:cNvPr>
@@ -8177,8 +8183,8 @@
         </p:blipFill>
         <p:spPr>
           <a:xfrm>
-            <a:off x="342900" y="2209799"/>
-            <a:ext cx="8458200" cy="4124029"/>
+            <a:off x="342900" y="2179193"/>
+            <a:ext cx="8458200" cy="4018407"/>
           </a:xfrm>
           <a:prstGeom prst="rect">
             <a:avLst/>
@@ -8195,13 +8201,13 @@
   <p:clrMapOvr>
     <a:masterClrMapping/>
   </p:clrMapOvr>
-  <mc:AlternateContent xmlns:mc="http://schemas.openxmlformats.org/markup-compatibility/2006">
-    <mc:Choice xmlns:p14="http://schemas.microsoft.com/office/powerpoint/2010/main" Requires="p14">
+  <mc:AlternateContent xmlns:mc="http://schemas.openxmlformats.org/markup-compatibility/2006" xmlns:p14="http://schemas.microsoft.com/office/powerpoint/2010/main">
+    <mc:Choice Requires="p14">
       <p:transition spd="slow" p14:dur="1500">
         <p:split orient="vert" dir="in"/>
       </p:transition>
     </mc:Choice>
-    <mc:Fallback>
+    <mc:Fallback xmlns="">
       <p:transition spd="slow">
         <p:split orient="vert" dir="in"/>
       </p:transition>
@@ -8739,10 +8745,10 @@
       </p:sp>
       <p:pic>
         <p:nvPicPr>
-          <p:cNvPr id="9" name="Picture 8">
+          <p:cNvPr id="4" name="Picture 3">
             <a:extLst>
               <a:ext uri="{FF2B5EF4-FFF2-40B4-BE49-F238E27FC236}">
-                <a16:creationId xmlns:a16="http://schemas.microsoft.com/office/drawing/2014/main" id="{19EFF120-7B27-B7EE-2CF0-392163B0259B}"/>
+                <a16:creationId xmlns:a16="http://schemas.microsoft.com/office/drawing/2014/main" id="{00B91BF1-C973-8A10-5D47-294C6A324070}"/>
               </a:ext>
             </a:extLst>
           </p:cNvPr>
@@ -8760,7 +8766,7 @@
         <p:spPr>
           <a:xfrm>
             <a:off x="342900" y="2433338"/>
-            <a:ext cx="8458200" cy="3966975"/>
+            <a:ext cx="8458200" cy="3900493"/>
           </a:xfrm>
           <a:prstGeom prst="rect">
             <a:avLst/>
@@ -8777,13 +8783,13 @@
   <p:clrMapOvr>
     <a:masterClrMapping/>
   </p:clrMapOvr>
-  <mc:AlternateContent xmlns:mc="http://schemas.openxmlformats.org/markup-compatibility/2006">
-    <mc:Choice xmlns:p14="http://schemas.microsoft.com/office/powerpoint/2010/main" Requires="p14">
+  <mc:AlternateContent xmlns:mc="http://schemas.openxmlformats.org/markup-compatibility/2006" xmlns:p14="http://schemas.microsoft.com/office/powerpoint/2010/main">
+    <mc:Choice Requires="p14">
       <p:transition spd="slow" p14:dur="1500">
         <p:split orient="vert" dir="in"/>
       </p:transition>
     </mc:Choice>
-    <mc:Fallback>
+    <mc:Fallback xmlns="">
       <p:transition spd="slow">
         <p:split orient="vert" dir="in"/>
       </p:transition>
@@ -8795,42 +8801,42 @@
 <file path=ppt/theme/theme1.xml><?xml version="1.0" encoding="utf-8"?>
 <a:theme xmlns:a="http://schemas.openxmlformats.org/drawingml/2006/main" name="Retrospect">
   <a:themeElements>
-    <a:clrScheme name="Retrospect">
+    <a:clrScheme name="Blue Warm">
       <a:dk1>
-        <a:srgbClr val="000000"/>
+        <a:sysClr val="windowText" lastClr="000000"/>
       </a:dk1>
       <a:lt1>
         <a:sysClr val="window" lastClr="FFFFFF"/>
       </a:lt1>
       <a:dk2>
-        <a:srgbClr val="637052"/>
+        <a:srgbClr val="242852"/>
       </a:dk2>
       <a:lt2>
-        <a:srgbClr val="CCDDEA"/>
+        <a:srgbClr val="ACCBF9"/>
       </a:lt2>
       <a:accent1>
-        <a:srgbClr val="E48312"/>
+        <a:srgbClr val="4A66AC"/>
       </a:accent1>
       <a:accent2>
-        <a:srgbClr val="BD582C"/>
+        <a:srgbClr val="629DD1"/>
       </a:accent2>
       <a:accent3>
-        <a:srgbClr val="865640"/>
+        <a:srgbClr val="297FD5"/>
       </a:accent3>
       <a:accent4>
-        <a:srgbClr val="9B8357"/>
+        <a:srgbClr val="7F8FA9"/>
       </a:accent4>
       <a:accent5>
-        <a:srgbClr val="C2BC80"/>
+        <a:srgbClr val="5AA2AE"/>
       </a:accent5>
       <a:accent6>
-        <a:srgbClr val="94A088"/>
+        <a:srgbClr val="9D90A0"/>
       </a:accent6>
       <a:hlink>
-        <a:srgbClr val="2998E3"/>
+        <a:srgbClr val="9454C3"/>
       </a:hlink>
       <a:folHlink>
-        <a:srgbClr val="8C8C8C"/>
+        <a:srgbClr val="3EBBF0"/>
       </a:folHlink>
     </a:clrScheme>
     <a:fontScheme name="Retrospect">
